--- a/Capstone Project.pptx
+++ b/Capstone Project.pptx
@@ -6739,7 +6739,7 @@
             </a:pPr>
             <a:r>
               <a:rPr lang="en-US" sz="1600" dirty="0"/>
-              <a:t>There are 359 unique venue categories from this data set, across 87 bay area neighborhoods. </a:t>
+              <a:t>There are 358 unique venue categories from this data set, across 87 bay area neighborhoods. </a:t>
             </a:r>
           </a:p>
           <a:p>
@@ -7606,7 +7606,7 @@
         <p:spPr>
           <a:xfrm>
             <a:off x="781258" y="5946153"/>
-            <a:ext cx="6100232" cy="338554"/>
+            <a:ext cx="6100232" cy="584775"/>
           </a:xfrm>
           <a:prstGeom prst="rect">
             <a:avLst/>
@@ -7628,8 +7628,27 @@
                   </a:schemeClr>
                 </a:solidFill>
               </a:rPr>
-              <a:t>The best value for k is 3 based on this graph. </a:t>
-            </a:r>
+              <a:t>The best value for k is 3 based on </a:t>
+            </a:r>
+            <a:r>
+              <a:rPr lang="en-US" sz="1600">
+                <a:solidFill>
+                  <a:schemeClr val="tx1">
+                    <a:lumMod val="75000"/>
+                    <a:lumOff val="25000"/>
+                  </a:schemeClr>
+                </a:solidFill>
+              </a:rPr>
+              <a:t>this graph using elbow method. </a:t>
+            </a:r>
+            <a:endParaRPr lang="en-US" sz="1600" dirty="0">
+              <a:solidFill>
+                <a:schemeClr val="tx1">
+                  <a:lumMod val="75000"/>
+                  <a:lumOff val="25000"/>
+                </a:schemeClr>
+              </a:solidFill>
+            </a:endParaRPr>
           </a:p>
         </p:txBody>
       </p:sp>
@@ -8306,15 +8325,7 @@
             </a:pPr>
             <a:r>
               <a:rPr lang="en-US" dirty="0"/>
-              <a:t>Although to open a restaurant, we need to consider the real estate cost, crime rate </a:t>
-            </a:r>
-            <a:r>
-              <a:rPr lang="en-US" dirty="0" err="1"/>
-              <a:t>etc.,these</a:t>
-            </a:r>
-            <a:r>
-              <a:rPr lang="en-US" dirty="0"/>
-              <a:t> were not considered in the scope of this project. </a:t>
+              <a:t>Although to open a restaurant, we need to consider the real estate cost, crime rate etc., these were not considered in the scope of this project. </a:t>
             </a:r>
           </a:p>
           <a:p>
